--- a/img/archieve/Presentation1.pptx
+++ b/img/archieve/Presentation1.pptx
@@ -131,7 +131,7 @@
 <file path=ppt/revisionInfo.xml><?xml version="1.0" encoding="utf-8"?>
 <p1510:revInfo xmlns:a="http://schemas.openxmlformats.org/drawingml/2006/main" xmlns:r="http://schemas.openxmlformats.org/officeDocument/2006/relationships" xmlns:p1510="http://schemas.microsoft.com/office/powerpoint/2015/10/main">
   <p1510:revLst>
-    <p1510:client id="{98B9462D-95F8-46CD-95B7-65BF7851D679}" v="12" dt="2024-10-01T16:50:31.507"/>
+    <p1510:client id="{031D3CA1-C5B7-4354-9768-8D5935E4A5DA}" v="2" dt="2024-10-24T16:36:06.744"/>
   </p1510:revLst>
 </p1510:revInfo>
 </file>
@@ -548,6 +548,38 @@
       </pc:sldChg>
     </pc:docChg>
   </pc:docChgLst>
+  <pc:docChgLst>
+    <pc:chgData name="Lu, Megan" userId="a3274f4e-68d1-41e6-b71a-fdce50841c8d" providerId="ADAL" clId="{031D3CA1-C5B7-4354-9768-8D5935E4A5DA}"/>
+    <pc:docChg chg="undo custSel modSld">
+      <pc:chgData name="Lu, Megan" userId="a3274f4e-68d1-41e6-b71a-fdce50841c8d" providerId="ADAL" clId="{031D3CA1-C5B7-4354-9768-8D5935E4A5DA}" dt="2024-10-24T16:36:54.546" v="22" actId="1076"/>
+      <pc:docMkLst>
+        <pc:docMk/>
+      </pc:docMkLst>
+      <pc:sldChg chg="addSp modSp mod">
+        <pc:chgData name="Lu, Megan" userId="a3274f4e-68d1-41e6-b71a-fdce50841c8d" providerId="ADAL" clId="{031D3CA1-C5B7-4354-9768-8D5935E4A5DA}" dt="2024-10-24T16:36:54.546" v="22" actId="1076"/>
+        <pc:sldMkLst>
+          <pc:docMk/>
+          <pc:sldMk cId="2762116410" sldId="265"/>
+        </pc:sldMkLst>
+        <pc:picChg chg="add mod modCrop">
+          <ac:chgData name="Lu, Megan" userId="a3274f4e-68d1-41e6-b71a-fdce50841c8d" providerId="ADAL" clId="{031D3CA1-C5B7-4354-9768-8D5935E4A5DA}" dt="2024-10-24T16:34:43.359" v="10" actId="732"/>
+          <ac:picMkLst>
+            <pc:docMk/>
+            <pc:sldMk cId="2762116410" sldId="265"/>
+            <ac:picMk id="3" creationId="{D4ED6035-2AF4-BB77-D023-017ECE96DFAC}"/>
+          </ac:picMkLst>
+        </pc:picChg>
+        <pc:picChg chg="add mod modCrop">
+          <ac:chgData name="Lu, Megan" userId="a3274f4e-68d1-41e6-b71a-fdce50841c8d" providerId="ADAL" clId="{031D3CA1-C5B7-4354-9768-8D5935E4A5DA}" dt="2024-10-24T16:36:54.546" v="22" actId="1076"/>
+          <ac:picMkLst>
+            <pc:docMk/>
+            <pc:sldMk cId="2762116410" sldId="265"/>
+            <ac:picMk id="5" creationId="{F460E243-8423-9FDF-EF38-8509DD333B6D}"/>
+          </ac:picMkLst>
+        </pc:picChg>
+      </pc:sldChg>
+    </pc:docChg>
+  </pc:docChgLst>
 </pc:chgInfo>
 </file>
 
@@ -698,7 +730,7 @@
           <a:p>
             <a:fld id="{B58CABB9-51CE-4D6E-B209-0C6985A086F0}" type="datetimeFigureOut">
               <a:rPr lang="en-US" smtClean="0"/>
-              <a:t>10/18/2024</a:t>
+              <a:t>10/24/2024</a:t>
             </a:fld>
             <a:endParaRPr lang="en-US"/>
           </a:p>
@@ -896,7 +928,7 @@
           <a:p>
             <a:fld id="{B58CABB9-51CE-4D6E-B209-0C6985A086F0}" type="datetimeFigureOut">
               <a:rPr lang="en-US" smtClean="0"/>
-              <a:t>10/18/2024</a:t>
+              <a:t>10/24/2024</a:t>
             </a:fld>
             <a:endParaRPr lang="en-US"/>
           </a:p>
@@ -1104,7 +1136,7 @@
           <a:p>
             <a:fld id="{B58CABB9-51CE-4D6E-B209-0C6985A086F0}" type="datetimeFigureOut">
               <a:rPr lang="en-US" smtClean="0"/>
-              <a:t>10/18/2024</a:t>
+              <a:t>10/24/2024</a:t>
             </a:fld>
             <a:endParaRPr lang="en-US"/>
           </a:p>
@@ -1302,7 +1334,7 @@
           <a:p>
             <a:fld id="{B58CABB9-51CE-4D6E-B209-0C6985A086F0}" type="datetimeFigureOut">
               <a:rPr lang="en-US" smtClean="0"/>
-              <a:t>10/18/2024</a:t>
+              <a:t>10/24/2024</a:t>
             </a:fld>
             <a:endParaRPr lang="en-US"/>
           </a:p>
@@ -1577,7 +1609,7 @@
           <a:p>
             <a:fld id="{B58CABB9-51CE-4D6E-B209-0C6985A086F0}" type="datetimeFigureOut">
               <a:rPr lang="en-US" smtClean="0"/>
-              <a:t>10/18/2024</a:t>
+              <a:t>10/24/2024</a:t>
             </a:fld>
             <a:endParaRPr lang="en-US"/>
           </a:p>
@@ -1842,7 +1874,7 @@
           <a:p>
             <a:fld id="{B58CABB9-51CE-4D6E-B209-0C6985A086F0}" type="datetimeFigureOut">
               <a:rPr lang="en-US" smtClean="0"/>
-              <a:t>10/18/2024</a:t>
+              <a:t>10/24/2024</a:t>
             </a:fld>
             <a:endParaRPr lang="en-US"/>
           </a:p>
@@ -2254,7 +2286,7 @@
           <a:p>
             <a:fld id="{B58CABB9-51CE-4D6E-B209-0C6985A086F0}" type="datetimeFigureOut">
               <a:rPr lang="en-US" smtClean="0"/>
-              <a:t>10/18/2024</a:t>
+              <a:t>10/24/2024</a:t>
             </a:fld>
             <a:endParaRPr lang="en-US"/>
           </a:p>
@@ -2395,7 +2427,7 @@
           <a:p>
             <a:fld id="{B58CABB9-51CE-4D6E-B209-0C6985A086F0}" type="datetimeFigureOut">
               <a:rPr lang="en-US" smtClean="0"/>
-              <a:t>10/18/2024</a:t>
+              <a:t>10/24/2024</a:t>
             </a:fld>
             <a:endParaRPr lang="en-US"/>
           </a:p>
@@ -2508,7 +2540,7 @@
           <a:p>
             <a:fld id="{B58CABB9-51CE-4D6E-B209-0C6985A086F0}" type="datetimeFigureOut">
               <a:rPr lang="en-US" smtClean="0"/>
-              <a:t>10/18/2024</a:t>
+              <a:t>10/24/2024</a:t>
             </a:fld>
             <a:endParaRPr lang="en-US"/>
           </a:p>
@@ -2819,7 +2851,7 @@
           <a:p>
             <a:fld id="{B58CABB9-51CE-4D6E-B209-0C6985A086F0}" type="datetimeFigureOut">
               <a:rPr lang="en-US" smtClean="0"/>
-              <a:t>10/18/2024</a:t>
+              <a:t>10/24/2024</a:t>
             </a:fld>
             <a:endParaRPr lang="en-US"/>
           </a:p>
@@ -3107,7 +3139,7 @@
           <a:p>
             <a:fld id="{B58CABB9-51CE-4D6E-B209-0C6985A086F0}" type="datetimeFigureOut">
               <a:rPr lang="en-US" smtClean="0"/>
-              <a:t>10/18/2024</a:t>
+              <a:t>10/24/2024</a:t>
             </a:fld>
             <a:endParaRPr lang="en-US"/>
           </a:p>
@@ -3348,7 +3380,7 @@
           <a:p>
             <a:fld id="{B58CABB9-51CE-4D6E-B209-0C6985A086F0}" type="datetimeFigureOut">
               <a:rPr lang="en-US" smtClean="0"/>
-              <a:t>10/18/2024</a:t>
+              <a:t>10/24/2024</a:t>
             </a:fld>
             <a:endParaRPr lang="en-US"/>
           </a:p>
@@ -4541,6 +4573,88 @@
           <a:chExt cx="0" cy="0"/>
         </a:xfrm>
       </p:grpSpPr>
+      <p:pic>
+        <p:nvPicPr>
+          <p:cNvPr id="3" name="Picture 2" descr="A white circle on a black surface&#10;&#10;Description automatically generated">
+            <a:extLst>
+              <a:ext uri="{FF2B5EF4-FFF2-40B4-BE49-F238E27FC236}">
+                <a16:creationId xmlns:a16="http://schemas.microsoft.com/office/drawing/2014/main" id="{D4ED6035-2AF4-BB77-D023-017ECE96DFAC}"/>
+              </a:ext>
+            </a:extLst>
+          </p:cNvPr>
+          <p:cNvPicPr>
+            <a:picLocks noChangeAspect="1"/>
+          </p:cNvPicPr>
+          <p:nvPr/>
+        </p:nvPicPr>
+        <p:blipFill>
+          <a:blip r:embed="rId2">
+            <a:extLst>
+              <a:ext uri="{28A0092B-C50C-407E-A947-70E740481C1C}">
+                <a14:useLocalDpi xmlns:a14="http://schemas.microsoft.com/office/drawing/2010/main" val="0"/>
+              </a:ext>
+            </a:extLst>
+          </a:blip>
+          <a:srcRect l="38603" t="13620" r="2903" b="8674"/>
+          <a:stretch/>
+        </p:blipFill>
+        <p:spPr>
+          <a:xfrm>
+            <a:off x="5053781" y="934065"/>
+            <a:ext cx="5348748" cy="5329084"/>
+          </a:xfrm>
+          <a:prstGeom prst="ellipse">
+            <a:avLst/>
+          </a:prstGeom>
+          <a:ln>
+            <a:noFill/>
+          </a:ln>
+          <a:effectLst>
+            <a:softEdge rad="112500"/>
+          </a:effectLst>
+        </p:spPr>
+      </p:pic>
+      <p:pic>
+        <p:nvPicPr>
+          <p:cNvPr id="5" name="Picture 4" descr="A white plate with a hole in it&#10;&#10;Description automatically generated">
+            <a:extLst>
+              <a:ext uri="{FF2B5EF4-FFF2-40B4-BE49-F238E27FC236}">
+                <a16:creationId xmlns:a16="http://schemas.microsoft.com/office/drawing/2014/main" id="{F460E243-8423-9FDF-EF38-8509DD333B6D}"/>
+              </a:ext>
+            </a:extLst>
+          </p:cNvPr>
+          <p:cNvPicPr>
+            <a:picLocks noChangeAspect="1"/>
+          </p:cNvPicPr>
+          <p:nvPr/>
+        </p:nvPicPr>
+        <p:blipFill>
+          <a:blip r:embed="rId3">
+            <a:extLst>
+              <a:ext uri="{28A0092B-C50C-407E-A947-70E740481C1C}">
+                <a14:useLocalDpi xmlns:a14="http://schemas.microsoft.com/office/drawing/2010/main" val="0"/>
+              </a:ext>
+            </a:extLst>
+          </a:blip>
+          <a:srcRect l="8710" t="3585" r="13333" b="3655"/>
+          <a:stretch/>
+        </p:blipFill>
+        <p:spPr>
+          <a:xfrm>
+            <a:off x="1012723" y="934065"/>
+            <a:ext cx="5894417" cy="5260258"/>
+          </a:xfrm>
+          <a:prstGeom prst="ellipse">
+            <a:avLst/>
+          </a:prstGeom>
+          <a:ln>
+            <a:noFill/>
+          </a:ln>
+          <a:effectLst>
+            <a:softEdge rad="112500"/>
+          </a:effectLst>
+        </p:spPr>
+      </p:pic>
     </p:spTree>
     <p:extLst>
       <p:ext uri="{BB962C8B-B14F-4D97-AF65-F5344CB8AC3E}">
